--- a/laboratory_project/report/results/results.pptx
+++ b/laboratory_project/report/results/results.pptx
@@ -108,6 +108,11 @@
       </a:defRPr>
     </a:lvl9pPr>
   </p:defaultTextStyle>
+  <p:extLst>
+    <p:ext uri="{EFAFB233-063F-42B5-8137-9DF3F51BA10A}">
+      <p15:sldGuideLst xmlns:p15="http://schemas.microsoft.com/office/powerpoint/2012/main"/>
+    </p:ext>
+  </p:extLst>
 </p:presentation>
 </file>
 
@@ -193,7 +198,7 @@
           <a:p>
             <a:fld id="{024D61AC-319A-E64C-A993-33A71BF4FBA8}" type="datetimeFigureOut">
               <a:rPr lang="en-GB" smtClean="0"/>
-              <a:t>01/01/2018</a:t>
+              <a:t>03/01/2018</a:t>
             </a:fld>
             <a:endParaRPr lang="en-GB"/>
           </a:p>
@@ -592,7 +597,7 @@
           <a:p>
             <a:fld id="{F5CF08FF-9805-E445-84FB-BF7FDE034D0E}" type="datetimeFigureOut">
               <a:rPr lang="en-GB" smtClean="0"/>
-              <a:t>01/01/2018</a:t>
+              <a:t>03/01/2018</a:t>
             </a:fld>
             <a:endParaRPr lang="en-GB"/>
           </a:p>
@@ -762,7 +767,7 @@
           <a:p>
             <a:fld id="{F5CF08FF-9805-E445-84FB-BF7FDE034D0E}" type="datetimeFigureOut">
               <a:rPr lang="en-GB" smtClean="0"/>
-              <a:t>01/01/2018</a:t>
+              <a:t>03/01/2018</a:t>
             </a:fld>
             <a:endParaRPr lang="en-GB"/>
           </a:p>
@@ -942,7 +947,7 @@
           <a:p>
             <a:fld id="{F5CF08FF-9805-E445-84FB-BF7FDE034D0E}" type="datetimeFigureOut">
               <a:rPr lang="en-GB" smtClean="0"/>
-              <a:t>01/01/2018</a:t>
+              <a:t>03/01/2018</a:t>
             </a:fld>
             <a:endParaRPr lang="en-GB"/>
           </a:p>
@@ -1112,7 +1117,7 @@
           <a:p>
             <a:fld id="{F5CF08FF-9805-E445-84FB-BF7FDE034D0E}" type="datetimeFigureOut">
               <a:rPr lang="en-GB" smtClean="0"/>
-              <a:t>01/01/2018</a:t>
+              <a:t>03/01/2018</a:t>
             </a:fld>
             <a:endParaRPr lang="en-GB"/>
           </a:p>
@@ -1358,7 +1363,7 @@
           <a:p>
             <a:fld id="{F5CF08FF-9805-E445-84FB-BF7FDE034D0E}" type="datetimeFigureOut">
               <a:rPr lang="en-GB" smtClean="0"/>
-              <a:t>01/01/2018</a:t>
+              <a:t>03/01/2018</a:t>
             </a:fld>
             <a:endParaRPr lang="en-GB"/>
           </a:p>
@@ -1590,7 +1595,7 @@
           <a:p>
             <a:fld id="{F5CF08FF-9805-E445-84FB-BF7FDE034D0E}" type="datetimeFigureOut">
               <a:rPr lang="en-GB" smtClean="0"/>
-              <a:t>01/01/2018</a:t>
+              <a:t>03/01/2018</a:t>
             </a:fld>
             <a:endParaRPr lang="en-GB"/>
           </a:p>
@@ -1957,7 +1962,7 @@
           <a:p>
             <a:fld id="{F5CF08FF-9805-E445-84FB-BF7FDE034D0E}" type="datetimeFigureOut">
               <a:rPr lang="en-GB" smtClean="0"/>
-              <a:t>01/01/2018</a:t>
+              <a:t>03/01/2018</a:t>
             </a:fld>
             <a:endParaRPr lang="en-GB"/>
           </a:p>
@@ -2075,7 +2080,7 @@
           <a:p>
             <a:fld id="{F5CF08FF-9805-E445-84FB-BF7FDE034D0E}" type="datetimeFigureOut">
               <a:rPr lang="en-GB" smtClean="0"/>
-              <a:t>01/01/2018</a:t>
+              <a:t>03/01/2018</a:t>
             </a:fld>
             <a:endParaRPr lang="en-GB"/>
           </a:p>
@@ -2170,7 +2175,7 @@
           <a:p>
             <a:fld id="{F5CF08FF-9805-E445-84FB-BF7FDE034D0E}" type="datetimeFigureOut">
               <a:rPr lang="en-GB" smtClean="0"/>
-              <a:t>01/01/2018</a:t>
+              <a:t>03/01/2018</a:t>
             </a:fld>
             <a:endParaRPr lang="en-GB"/>
           </a:p>
@@ -2447,7 +2452,7 @@
           <a:p>
             <a:fld id="{F5CF08FF-9805-E445-84FB-BF7FDE034D0E}" type="datetimeFigureOut">
               <a:rPr lang="en-GB" smtClean="0"/>
-              <a:t>01/01/2018</a:t>
+              <a:t>03/01/2018</a:t>
             </a:fld>
             <a:endParaRPr lang="en-GB"/>
           </a:p>
@@ -2700,7 +2705,7 @@
           <a:p>
             <a:fld id="{F5CF08FF-9805-E445-84FB-BF7FDE034D0E}" type="datetimeFigureOut">
               <a:rPr lang="en-GB" smtClean="0"/>
-              <a:t>01/01/2018</a:t>
+              <a:t>03/01/2018</a:t>
             </a:fld>
             <a:endParaRPr lang="en-GB"/>
           </a:p>
@@ -2913,7 +2918,7 @@
           <a:p>
             <a:fld id="{F5CF08FF-9805-E445-84FB-BF7FDE034D0E}" type="datetimeFigureOut">
               <a:rPr lang="en-GB" smtClean="0"/>
-              <a:t>01/01/2018</a:t>
+              <a:t>03/01/2018</a:t>
             </a:fld>
             <a:endParaRPr lang="en-GB"/>
           </a:p>
@@ -3320,7 +3325,7 @@
       </p:grpSpPr>
       <p:pic>
         <p:nvPicPr>
-          <p:cNvPr id="8" name="Picture 7"/>
+          <p:cNvPr id="2" name="Picture 1"/>
           <p:cNvPicPr>
             <a:picLocks noChangeAspect="1"/>
           </p:cNvPicPr>
@@ -3459,7 +3464,7 @@
       </p:grpSpPr>
       <p:pic>
         <p:nvPicPr>
-          <p:cNvPr id="7" name="Picture 6"/>
+          <p:cNvPr id="2" name="Picture 1"/>
           <p:cNvPicPr>
             <a:picLocks noChangeAspect="1"/>
           </p:cNvPicPr>

--- a/laboratory_project/report/results/results.pptx
+++ b/laboratory_project/report/results/results.pptx
@@ -198,7 +198,7 @@
           <a:p>
             <a:fld id="{024D61AC-319A-E64C-A993-33A71BF4FBA8}" type="datetimeFigureOut">
               <a:rPr lang="en-GB" smtClean="0"/>
-              <a:t>03/01/2018</a:t>
+              <a:t>09/01/2018</a:t>
             </a:fld>
             <a:endParaRPr lang="en-GB"/>
           </a:p>
@@ -597,7 +597,7 @@
           <a:p>
             <a:fld id="{F5CF08FF-9805-E445-84FB-BF7FDE034D0E}" type="datetimeFigureOut">
               <a:rPr lang="en-GB" smtClean="0"/>
-              <a:t>03/01/2018</a:t>
+              <a:t>09/01/2018</a:t>
             </a:fld>
             <a:endParaRPr lang="en-GB"/>
           </a:p>
@@ -767,7 +767,7 @@
           <a:p>
             <a:fld id="{F5CF08FF-9805-E445-84FB-BF7FDE034D0E}" type="datetimeFigureOut">
               <a:rPr lang="en-GB" smtClean="0"/>
-              <a:t>03/01/2018</a:t>
+              <a:t>09/01/2018</a:t>
             </a:fld>
             <a:endParaRPr lang="en-GB"/>
           </a:p>
@@ -947,7 +947,7 @@
           <a:p>
             <a:fld id="{F5CF08FF-9805-E445-84FB-BF7FDE034D0E}" type="datetimeFigureOut">
               <a:rPr lang="en-GB" smtClean="0"/>
-              <a:t>03/01/2018</a:t>
+              <a:t>09/01/2018</a:t>
             </a:fld>
             <a:endParaRPr lang="en-GB"/>
           </a:p>
@@ -1117,7 +1117,7 @@
           <a:p>
             <a:fld id="{F5CF08FF-9805-E445-84FB-BF7FDE034D0E}" type="datetimeFigureOut">
               <a:rPr lang="en-GB" smtClean="0"/>
-              <a:t>03/01/2018</a:t>
+              <a:t>09/01/2018</a:t>
             </a:fld>
             <a:endParaRPr lang="en-GB"/>
           </a:p>
@@ -1363,7 +1363,7 @@
           <a:p>
             <a:fld id="{F5CF08FF-9805-E445-84FB-BF7FDE034D0E}" type="datetimeFigureOut">
               <a:rPr lang="en-GB" smtClean="0"/>
-              <a:t>03/01/2018</a:t>
+              <a:t>09/01/2018</a:t>
             </a:fld>
             <a:endParaRPr lang="en-GB"/>
           </a:p>
@@ -1595,7 +1595,7 @@
           <a:p>
             <a:fld id="{F5CF08FF-9805-E445-84FB-BF7FDE034D0E}" type="datetimeFigureOut">
               <a:rPr lang="en-GB" smtClean="0"/>
-              <a:t>03/01/2018</a:t>
+              <a:t>09/01/2018</a:t>
             </a:fld>
             <a:endParaRPr lang="en-GB"/>
           </a:p>
@@ -1962,7 +1962,7 @@
           <a:p>
             <a:fld id="{F5CF08FF-9805-E445-84FB-BF7FDE034D0E}" type="datetimeFigureOut">
               <a:rPr lang="en-GB" smtClean="0"/>
-              <a:t>03/01/2018</a:t>
+              <a:t>09/01/2018</a:t>
             </a:fld>
             <a:endParaRPr lang="en-GB"/>
           </a:p>
@@ -2080,7 +2080,7 @@
           <a:p>
             <a:fld id="{F5CF08FF-9805-E445-84FB-BF7FDE034D0E}" type="datetimeFigureOut">
               <a:rPr lang="en-GB" smtClean="0"/>
-              <a:t>03/01/2018</a:t>
+              <a:t>09/01/2018</a:t>
             </a:fld>
             <a:endParaRPr lang="en-GB"/>
           </a:p>
@@ -2175,7 +2175,7 @@
           <a:p>
             <a:fld id="{F5CF08FF-9805-E445-84FB-BF7FDE034D0E}" type="datetimeFigureOut">
               <a:rPr lang="en-GB" smtClean="0"/>
-              <a:t>03/01/2018</a:t>
+              <a:t>09/01/2018</a:t>
             </a:fld>
             <a:endParaRPr lang="en-GB"/>
           </a:p>
@@ -2452,7 +2452,7 @@
           <a:p>
             <a:fld id="{F5CF08FF-9805-E445-84FB-BF7FDE034D0E}" type="datetimeFigureOut">
               <a:rPr lang="en-GB" smtClean="0"/>
-              <a:t>03/01/2018</a:t>
+              <a:t>09/01/2018</a:t>
             </a:fld>
             <a:endParaRPr lang="en-GB"/>
           </a:p>
@@ -2705,7 +2705,7 @@
           <a:p>
             <a:fld id="{F5CF08FF-9805-E445-84FB-BF7FDE034D0E}" type="datetimeFigureOut">
               <a:rPr lang="en-GB" smtClean="0"/>
-              <a:t>03/01/2018</a:t>
+              <a:t>09/01/2018</a:t>
             </a:fld>
             <a:endParaRPr lang="en-GB"/>
           </a:p>
@@ -2918,7 +2918,7 @@
           <a:p>
             <a:fld id="{F5CF08FF-9805-E445-84FB-BF7FDE034D0E}" type="datetimeFigureOut">
               <a:rPr lang="en-GB" smtClean="0"/>
-              <a:t>03/01/2018</a:t>
+              <a:t>09/01/2018</a:t>
             </a:fld>
             <a:endParaRPr lang="en-GB"/>
           </a:p>
@@ -3325,7 +3325,7 @@
       </p:grpSpPr>
       <p:pic>
         <p:nvPicPr>
-          <p:cNvPr id="2" name="Picture 1"/>
+          <p:cNvPr id="3" name="Picture 2"/>
           <p:cNvPicPr>
             <a:picLocks noChangeAspect="1"/>
           </p:cNvPicPr>
@@ -3464,7 +3464,7 @@
       </p:grpSpPr>
       <p:pic>
         <p:nvPicPr>
-          <p:cNvPr id="2" name="Picture 1"/>
+          <p:cNvPr id="3" name="Picture 2"/>
           <p:cNvPicPr>
             <a:picLocks noChangeAspect="1"/>
           </p:cNvPicPr>
